--- a/Documents/Final Year Project PPT Latest.pptx
+++ b/Documents/Final Year Project PPT Latest.pptx
@@ -224,7 +224,7 @@
             <a:fld id="{E98F4AE9-A696-4AFA-8F35-371EB1C85EDA}" type="datetimeFigureOut">
               <a:rPr lang="en-US" smtClean="0"/>
               <a:pPr/>
-              <a:t>1/2/2024</a:t>
+              <a:t>6/2/2024</a:t>
             </a:fld>
             <a:endParaRPr lang="en-US"/>
           </a:p>
@@ -1119,7 +1119,7 @@
           <a:p>
             <a:fld id="{7D5E575F-F345-4A3F-974A-241716AD3462}" type="datetime1">
               <a:rPr lang="en-US" smtClean="0"/>
-              <a:t>1/2/2024</a:t>
+              <a:t>6/2/2024</a:t>
             </a:fld>
             <a:endParaRPr lang="en-US"/>
           </a:p>
@@ -1310,7 +1310,7 @@
           <a:p>
             <a:fld id="{6F92C539-0BC8-4B5B-A2C7-813FBCF0E73B}" type="datetime1">
               <a:rPr lang="en-US" smtClean="0"/>
-              <a:t>1/2/2024</a:t>
+              <a:t>6/2/2024</a:t>
             </a:fld>
             <a:endParaRPr lang="en-US"/>
           </a:p>
@@ -1490,7 +1490,7 @@
           <a:p>
             <a:fld id="{A2D2EAB8-E7FB-46AD-8DF1-AA781B55FFC3}" type="datetime1">
               <a:rPr lang="en-US" smtClean="0"/>
-              <a:t>1/2/2024</a:t>
+              <a:t>6/2/2024</a:t>
             </a:fld>
             <a:endParaRPr lang="en-US"/>
           </a:p>
@@ -1753,7 +1753,7 @@
           <a:p>
             <a:fld id="{85AAEC8F-FD0B-44B2-8E21-03B55A361622}" type="datetime1">
               <a:rPr lang="en-US" smtClean="0"/>
-              <a:t>1/2/2024</a:t>
+              <a:t>6/2/2024</a:t>
             </a:fld>
             <a:endParaRPr lang="en-US"/>
           </a:p>
@@ -2164,7 +2164,7 @@
           <a:p>
             <a:fld id="{F9AAF763-8DBE-4D0C-96C8-9BF02BB60660}" type="datetime1">
               <a:rPr lang="en-US" smtClean="0"/>
-              <a:t>1/2/2024</a:t>
+              <a:t>6/2/2024</a:t>
             </a:fld>
             <a:endParaRPr lang="en-US"/>
           </a:p>
@@ -2406,7 +2406,7 @@
           <a:p>
             <a:fld id="{00DB0CB7-26D0-4E1F-A6D0-373EF20FDFE2}" type="datetime1">
               <a:rPr lang="en-US" smtClean="0"/>
-              <a:t>1/2/2024</a:t>
+              <a:t>6/2/2024</a:t>
             </a:fld>
             <a:endParaRPr lang="en-US"/>
           </a:p>
@@ -2642,7 +2642,7 @@
           <a:p>
             <a:fld id="{625C03B9-5C14-41D2-9DF4-4F69EDB93F4A}" type="datetime1">
               <a:rPr lang="en-US" smtClean="0"/>
-              <a:t>1/2/2024</a:t>
+              <a:t>6/2/2024</a:t>
             </a:fld>
             <a:endParaRPr lang="en-US"/>
           </a:p>
@@ -2837,7 +2837,7 @@
           <a:p>
             <a:fld id="{060EB944-5A24-4804-85B5-D8D8E70494CB}" type="datetime1">
               <a:rPr lang="en-US" smtClean="0"/>
-              <a:t>1/2/2024</a:t>
+              <a:t>6/2/2024</a:t>
             </a:fld>
             <a:endParaRPr lang="en-US"/>
           </a:p>
@@ -2936,7 +2936,7 @@
           <a:p>
             <a:fld id="{7BA8F5B5-CA4D-4AA8-9496-F32EAA9EC68A}" type="datetime1">
               <a:rPr lang="en-US" smtClean="0"/>
-              <a:t>1/2/2024</a:t>
+              <a:t>6/2/2024</a:t>
             </a:fld>
             <a:endParaRPr lang="en-US"/>
           </a:p>
@@ -3072,7 +3072,7 @@
           <a:p>
             <a:fld id="{1396411E-8F20-4E7C-A72C-C73AEDD7C273}" type="datetime1">
               <a:rPr lang="en-US" smtClean="0"/>
-              <a:t>1/2/2024</a:t>
+              <a:t>6/2/2024</a:t>
             </a:fld>
             <a:endParaRPr lang="en-US"/>
           </a:p>
@@ -3585,7 +3585,7 @@
           <a:p>
             <a:fld id="{574F8C34-6E34-49A8-A798-C387BA0CE972}" type="datetime1">
               <a:rPr lang="en-US" smtClean="0"/>
-              <a:t>1/2/2024</a:t>
+              <a:t>6/2/2024</a:t>
             </a:fld>
             <a:endParaRPr lang="en-US"/>
           </a:p>
@@ -3845,7 +3845,7 @@
           <a:p>
             <a:fld id="{079B43AF-0321-4C12-84A6-28676C718E95}" type="datetime1">
               <a:rPr lang="en-US" smtClean="0"/>
-              <a:t>1/2/2024</a:t>
+              <a:t>6/2/2024</a:t>
             </a:fld>
             <a:endParaRPr lang="en-US"/>
           </a:p>
@@ -4674,7 +4674,7 @@
                 <a:latin typeface="Times New Roman" panose="02020603050405020304" pitchFamily="18" charset="0"/>
                 <a:cs typeface="Times New Roman" panose="02020603050405020304" pitchFamily="18" charset="0"/>
               </a:rPr>
-              <a:t>Mr. Suraj Bhatnagar</a:t>
+              <a:t>Prof. Suraj Bhatnagar</a:t>
             </a:r>
           </a:p>
           <a:p>
@@ -6989,13 +6989,7 @@
           <a:p>
             <a:r>
               <a:rPr lang="en-IN" dirty="0"/>
-              <a:t>Html , CSS , JavaScript</a:t>
-            </a:r>
-          </a:p>
-          <a:p>
-            <a:r>
-              <a:rPr lang="en-IN" dirty="0"/>
-              <a:t>Tableau</a:t>
+              <a:t>Rapid API</a:t>
             </a:r>
           </a:p>
           <a:p>
@@ -7013,7 +7007,18 @@
             </a:r>
           </a:p>
           <a:p>
-            <a:endParaRPr lang="en-IN" dirty="0"/>
+            <a:r>
+              <a:rPr lang="en-IN" dirty="0"/>
+              <a:t>Python framework (</a:t>
+            </a:r>
+            <a:r>
+              <a:rPr lang="en-IN" dirty="0" err="1"/>
+              <a:t>Streamlit</a:t>
+            </a:r>
+            <a:r>
+              <a:rPr lang="en-IN" dirty="0"/>
+              <a:t>)</a:t>
+            </a:r>
           </a:p>
           <a:p>
             <a:pPr marL="0" indent="0">
@@ -9916,7 +9921,21 @@
                 <a:latin typeface="Times New Roman" panose="02020603050405020304" pitchFamily="18" charset="0"/>
                 <a:cs typeface="Times New Roman" panose="02020603050405020304" pitchFamily="18" charset="0"/>
               </a:rPr>
-              <a:t>Web pages are structured using HTML, defining elements like headings, paragraphs, and links to organize and present content</a:t>
+              <a:t>Web pages are structured using </a:t>
+            </a:r>
+            <a:r>
+              <a:rPr lang="en-US" sz="3200" dirty="0" err="1">
+                <a:latin typeface="Times New Roman" panose="02020603050405020304" pitchFamily="18" charset="0"/>
+                <a:cs typeface="Times New Roman" panose="02020603050405020304" pitchFamily="18" charset="0"/>
+              </a:rPr>
+              <a:t>Streamlit</a:t>
+            </a:r>
+            <a:r>
+              <a:rPr lang="en-US" sz="3200" dirty="0">
+                <a:latin typeface="Times New Roman" panose="02020603050405020304" pitchFamily="18" charset="0"/>
+                <a:cs typeface="Times New Roman" panose="02020603050405020304" pitchFamily="18" charset="0"/>
+              </a:rPr>
+              <a:t> , defining elements like headings, paragraphs, and links to organize and present content</a:t>
             </a:r>
           </a:p>
           <a:p>

--- a/Documents/Final Year Project PPT Latest.pptx
+++ b/Documents/Final Year Project PPT Latest.pptx
@@ -224,7 +224,7 @@
             <a:fld id="{E98F4AE9-A696-4AFA-8F35-371EB1C85EDA}" type="datetimeFigureOut">
               <a:rPr lang="en-US" smtClean="0"/>
               <a:pPr/>
-              <a:t>6/2/2024</a:t>
+              <a:t>6/3/2024</a:t>
             </a:fld>
             <a:endParaRPr lang="en-US"/>
           </a:p>
@@ -1119,7 +1119,7 @@
           <a:p>
             <a:fld id="{7D5E575F-F345-4A3F-974A-241716AD3462}" type="datetime1">
               <a:rPr lang="en-US" smtClean="0"/>
-              <a:t>6/2/2024</a:t>
+              <a:t>6/3/2024</a:t>
             </a:fld>
             <a:endParaRPr lang="en-US"/>
           </a:p>
@@ -1310,7 +1310,7 @@
           <a:p>
             <a:fld id="{6F92C539-0BC8-4B5B-A2C7-813FBCF0E73B}" type="datetime1">
               <a:rPr lang="en-US" smtClean="0"/>
-              <a:t>6/2/2024</a:t>
+              <a:t>6/3/2024</a:t>
             </a:fld>
             <a:endParaRPr lang="en-US"/>
           </a:p>
@@ -1490,7 +1490,7 @@
           <a:p>
             <a:fld id="{A2D2EAB8-E7FB-46AD-8DF1-AA781B55FFC3}" type="datetime1">
               <a:rPr lang="en-US" smtClean="0"/>
-              <a:t>6/2/2024</a:t>
+              <a:t>6/3/2024</a:t>
             </a:fld>
             <a:endParaRPr lang="en-US"/>
           </a:p>
@@ -1753,7 +1753,7 @@
           <a:p>
             <a:fld id="{85AAEC8F-FD0B-44B2-8E21-03B55A361622}" type="datetime1">
               <a:rPr lang="en-US" smtClean="0"/>
-              <a:t>6/2/2024</a:t>
+              <a:t>6/3/2024</a:t>
             </a:fld>
             <a:endParaRPr lang="en-US"/>
           </a:p>
@@ -2164,7 +2164,7 @@
           <a:p>
             <a:fld id="{F9AAF763-8DBE-4D0C-96C8-9BF02BB60660}" type="datetime1">
               <a:rPr lang="en-US" smtClean="0"/>
-              <a:t>6/2/2024</a:t>
+              <a:t>6/3/2024</a:t>
             </a:fld>
             <a:endParaRPr lang="en-US"/>
           </a:p>
@@ -2406,7 +2406,7 @@
           <a:p>
             <a:fld id="{00DB0CB7-26D0-4E1F-A6D0-373EF20FDFE2}" type="datetime1">
               <a:rPr lang="en-US" smtClean="0"/>
-              <a:t>6/2/2024</a:t>
+              <a:t>6/3/2024</a:t>
             </a:fld>
             <a:endParaRPr lang="en-US"/>
           </a:p>
@@ -2642,7 +2642,7 @@
           <a:p>
             <a:fld id="{625C03B9-5C14-41D2-9DF4-4F69EDB93F4A}" type="datetime1">
               <a:rPr lang="en-US" smtClean="0"/>
-              <a:t>6/2/2024</a:t>
+              <a:t>6/3/2024</a:t>
             </a:fld>
             <a:endParaRPr lang="en-US"/>
           </a:p>
@@ -2837,7 +2837,7 @@
           <a:p>
             <a:fld id="{060EB944-5A24-4804-85B5-D8D8E70494CB}" type="datetime1">
               <a:rPr lang="en-US" smtClean="0"/>
-              <a:t>6/2/2024</a:t>
+              <a:t>6/3/2024</a:t>
             </a:fld>
             <a:endParaRPr lang="en-US"/>
           </a:p>
@@ -2936,7 +2936,7 @@
           <a:p>
             <a:fld id="{7BA8F5B5-CA4D-4AA8-9496-F32EAA9EC68A}" type="datetime1">
               <a:rPr lang="en-US" smtClean="0"/>
-              <a:t>6/2/2024</a:t>
+              <a:t>6/3/2024</a:t>
             </a:fld>
             <a:endParaRPr lang="en-US"/>
           </a:p>
@@ -3072,7 +3072,7 @@
           <a:p>
             <a:fld id="{1396411E-8F20-4E7C-A72C-C73AEDD7C273}" type="datetime1">
               <a:rPr lang="en-US" smtClean="0"/>
-              <a:t>6/2/2024</a:t>
+              <a:t>6/3/2024</a:t>
             </a:fld>
             <a:endParaRPr lang="en-US"/>
           </a:p>
@@ -3585,7 +3585,7 @@
           <a:p>
             <a:fld id="{574F8C34-6E34-49A8-A798-C387BA0CE972}" type="datetime1">
               <a:rPr lang="en-US" smtClean="0"/>
-              <a:t>6/2/2024</a:t>
+              <a:t>6/3/2024</a:t>
             </a:fld>
             <a:endParaRPr lang="en-US"/>
           </a:p>
@@ -3845,7 +3845,7 @@
           <a:p>
             <a:fld id="{079B43AF-0321-4C12-84A6-28676C718E95}" type="datetime1">
               <a:rPr lang="en-US" smtClean="0"/>
-              <a:t>6/2/2024</a:t>
+              <a:t>6/3/2024</a:t>
             </a:fld>
             <a:endParaRPr lang="en-US"/>
           </a:p>
@@ -9533,8 +9533,21 @@
                 <a:latin typeface="Times New Roman" panose="02020603050405020304" pitchFamily="18" charset="0"/>
                 <a:cs typeface="Times New Roman" panose="02020603050405020304" pitchFamily="18" charset="0"/>
               </a:rPr>
-              <a:t> Web scraping is the process of extracting data from websites. </a:t>
-            </a:r>
+              <a:t> Web scraping is the process of extracting data from websites</a:t>
+            </a:r>
+            <a:r>
+              <a:rPr lang="en-US" sz="2000">
+                <a:latin typeface="Times New Roman" panose="02020603050405020304" pitchFamily="18" charset="0"/>
+                <a:cs typeface="Times New Roman" panose="02020603050405020304" pitchFamily="18" charset="0"/>
+              </a:rPr>
+              <a:t>. </a:t>
+            </a:r>
+          </a:p>
+          <a:p>
+            <a:pPr algn="just">
+              <a:buFont typeface="Wingdings" panose="05000000000000000000" pitchFamily="2" charset="2"/>
+              <a:buChar char="Ø"/>
+            </a:pPr>
             <a:endParaRPr lang="en-IN" sz="2000" dirty="0">
               <a:latin typeface="Times New Roman" panose="02020603050405020304" pitchFamily="18" charset="0"/>
               <a:cs typeface="Times New Roman" panose="02020603050405020304" pitchFamily="18" charset="0"/>
@@ -9588,53 +9601,6 @@
                 <a:cs typeface="Times New Roman" panose="02020603050405020304" pitchFamily="18" charset="0"/>
               </a:rPr>
               <a:t>Data modeling involves creating a structured representation of real-world phenomena</a:t>
-            </a:r>
-          </a:p>
-          <a:p>
-            <a:pPr algn="just"/>
-            <a:r>
-              <a:rPr lang="en-US" sz="3200" b="1" dirty="0">
-                <a:latin typeface="Times New Roman" panose="02020603050405020304" pitchFamily="18" charset="0"/>
-                <a:cs typeface="Times New Roman" panose="02020603050405020304" pitchFamily="18" charset="0"/>
-              </a:rPr>
-              <a:t>Tableau </a:t>
-            </a:r>
-            <a:r>
-              <a:rPr lang="en-US" sz="3200" dirty="0">
-                <a:latin typeface="Times New Roman" panose="02020603050405020304" pitchFamily="18" charset="0"/>
-                <a:cs typeface="Times New Roman" panose="02020603050405020304" pitchFamily="18" charset="0"/>
-              </a:rPr>
-              <a:t>:: </a:t>
-            </a:r>
-            <a:endParaRPr lang="en-US" sz="2000" dirty="0">
-              <a:latin typeface="Times New Roman" panose="02020603050405020304" pitchFamily="18" charset="0"/>
-              <a:cs typeface="Times New Roman" panose="02020603050405020304" pitchFamily="18" charset="0"/>
-            </a:endParaRPr>
-          </a:p>
-          <a:p>
-            <a:pPr algn="just">
-              <a:buFont typeface="Wingdings" panose="05000000000000000000" pitchFamily="2" charset="2"/>
-              <a:buChar char="Ø"/>
-            </a:pPr>
-            <a:r>
-              <a:rPr lang="en-US" sz="2000" dirty="0">
-                <a:latin typeface="Times New Roman" panose="02020603050405020304" pitchFamily="18" charset="0"/>
-                <a:cs typeface="Times New Roman" panose="02020603050405020304" pitchFamily="18" charset="0"/>
-              </a:rPr>
-              <a:t> Tableau is a powerful data visualization and business intelligence tool that enables users to create interactive and insightful dashboards from various datasets </a:t>
-            </a:r>
-          </a:p>
-          <a:p>
-            <a:pPr algn="just">
-              <a:buFont typeface="Wingdings" panose="05000000000000000000" pitchFamily="2" charset="2"/>
-              <a:buChar char="Ø"/>
-            </a:pPr>
-            <a:r>
-              <a:rPr lang="en-US" sz="2000" dirty="0">
-                <a:latin typeface="Times New Roman" panose="02020603050405020304" pitchFamily="18" charset="0"/>
-                <a:cs typeface="Times New Roman" panose="02020603050405020304" pitchFamily="18" charset="0"/>
-              </a:rPr>
-              <a:t> Tableau is a leading data visualization and business intelligence platform</a:t>
             </a:r>
           </a:p>
           <a:p>
